--- a/Lecture/Lecture 9/Lecture 9.pptx
+++ b/Lecture/Lecture 9/Lecture 9.pptx
@@ -370,7 +370,7 @@
               <a:pPr>
                 <a:defRPr/>
               </a:pPr>
-              <a:t>9/10/2018</a:t>
+              <a:t>1/28/2019</a:t>
             </a:fld>
             <a:endParaRPr lang="en-US" dirty="0"/>
           </a:p>
@@ -582,7 +582,7 @@
               <a:pPr>
                 <a:defRPr/>
               </a:pPr>
-              <a:t>9/10/2018</a:t>
+              <a:t>1/28/2019</a:t>
             </a:fld>
             <a:endParaRPr lang="en-US" dirty="0"/>
           </a:p>
@@ -1101,7 +1101,7 @@
               <a:pPr>
                 <a:defRPr/>
               </a:pPr>
-              <a:t>9/10/2018</a:t>
+              <a:t>1/28/2019</a:t>
             </a:fld>
             <a:endParaRPr lang="en-US" dirty="0"/>
           </a:p>
@@ -1291,7 +1291,7 @@
               <a:pPr>
                 <a:defRPr/>
               </a:pPr>
-              <a:t>9/10/2018</a:t>
+              <a:t>1/28/2019</a:t>
             </a:fld>
             <a:endParaRPr lang="en-US" dirty="0"/>
           </a:p>
@@ -1491,7 +1491,7 @@
               <a:pPr>
                 <a:defRPr/>
               </a:pPr>
-              <a:t>9/10/2018</a:t>
+              <a:t>1/28/2019</a:t>
             </a:fld>
             <a:endParaRPr lang="en-US" dirty="0"/>
           </a:p>
@@ -1759,7 +1759,7 @@
               <a:pPr>
                 <a:defRPr/>
               </a:pPr>
-              <a:t>9/10/2018</a:t>
+              <a:t>1/28/2019</a:t>
             </a:fld>
             <a:endParaRPr lang="en-US" dirty="0">
               <a:solidFill>
@@ -1973,7 +1973,7 @@
               <a:pPr>
                 <a:defRPr/>
               </a:pPr>
-              <a:t>9/10/2018</a:t>
+              <a:t>1/28/2019</a:t>
             </a:fld>
             <a:endParaRPr lang="en-US" dirty="0">
               <a:solidFill>
@@ -2264,7 +2264,7 @@
               <a:pPr>
                 <a:defRPr/>
               </a:pPr>
-              <a:t>9/10/2018</a:t>
+              <a:t>1/28/2019</a:t>
             </a:fld>
             <a:endParaRPr lang="en-US" dirty="0">
               <a:solidFill>
@@ -2595,7 +2595,7 @@
               <a:pPr>
                 <a:defRPr/>
               </a:pPr>
-              <a:t>9/10/2018</a:t>
+              <a:t>1/28/2019</a:t>
             </a:fld>
             <a:endParaRPr lang="en-US" dirty="0">
               <a:solidFill>
@@ -3060,7 +3060,7 @@
               <a:pPr>
                 <a:defRPr/>
               </a:pPr>
-              <a:t>9/10/2018</a:t>
+              <a:t>1/28/2019</a:t>
             </a:fld>
             <a:endParaRPr lang="en-US" dirty="0">
               <a:solidFill>
@@ -3223,7 +3223,7 @@
               <a:pPr>
                 <a:defRPr/>
               </a:pPr>
-              <a:t>9/10/2018</a:t>
+              <a:t>1/28/2019</a:t>
             </a:fld>
             <a:endParaRPr lang="en-US" dirty="0">
               <a:solidFill>
@@ -3364,7 +3364,7 @@
               <a:pPr>
                 <a:defRPr/>
               </a:pPr>
-              <a:t>9/10/2018</a:t>
+              <a:t>1/28/2019</a:t>
             </a:fld>
             <a:endParaRPr lang="en-US" dirty="0">
               <a:solidFill>
@@ -3685,7 +3685,7 @@
               <a:pPr>
                 <a:defRPr/>
               </a:pPr>
-              <a:t>9/10/2018</a:t>
+              <a:t>1/28/2019</a:t>
             </a:fld>
             <a:endParaRPr lang="en-US" dirty="0">
               <a:solidFill>
@@ -3893,7 +3893,7 @@
               <a:pPr>
                 <a:defRPr/>
               </a:pPr>
-              <a:t>9/10/2018</a:t>
+              <a:t>1/28/2019</a:t>
             </a:fld>
             <a:endParaRPr lang="en-US" dirty="0"/>
           </a:p>
@@ -4176,7 +4176,7 @@
               <a:pPr>
                 <a:defRPr/>
               </a:pPr>
-              <a:t>9/10/2018</a:t>
+              <a:t>1/28/2019</a:t>
             </a:fld>
             <a:endParaRPr lang="en-US" dirty="0">
               <a:solidFill>
@@ -4390,7 +4390,7 @@
               <a:pPr>
                 <a:defRPr/>
               </a:pPr>
-              <a:t>9/10/2018</a:t>
+              <a:t>1/28/2019</a:t>
             </a:fld>
             <a:endParaRPr lang="en-US" dirty="0">
               <a:solidFill>
@@ -4614,7 +4614,7 @@
               <a:pPr>
                 <a:defRPr/>
               </a:pPr>
-              <a:t>9/10/2018</a:t>
+              <a:t>1/28/2019</a:t>
             </a:fld>
             <a:endParaRPr lang="en-US" dirty="0">
               <a:solidFill>
@@ -4824,7 +4824,7 @@
               <a:pPr>
                 <a:defRPr/>
               </a:pPr>
-              <a:t>9/10/2018</a:t>
+              <a:t>1/28/2019</a:t>
             </a:fld>
             <a:endParaRPr lang="en-US" dirty="0">
               <a:solidFill>
@@ -5101,7 +5101,7 @@
               <a:pPr>
                 <a:defRPr/>
               </a:pPr>
-              <a:t>9/10/2018</a:t>
+              <a:t>1/28/2019</a:t>
             </a:fld>
             <a:endParaRPr lang="en-US" dirty="0"/>
           </a:p>
@@ -5408,7 +5408,7 @@
               <a:pPr>
                 <a:defRPr/>
               </a:pPr>
-              <a:t>9/10/2018</a:t>
+              <a:t>1/28/2019</a:t>
             </a:fld>
             <a:endParaRPr lang="en-US" dirty="0"/>
           </a:p>
@@ -5849,7 +5849,7 @@
               <a:pPr>
                 <a:defRPr/>
               </a:pPr>
-              <a:t>9/10/2018</a:t>
+              <a:t>1/28/2019</a:t>
             </a:fld>
             <a:endParaRPr lang="en-US" dirty="0"/>
           </a:p>
@@ -5988,7 +5988,7 @@
               <a:pPr>
                 <a:defRPr/>
               </a:pPr>
-              <a:t>9/10/2018</a:t>
+              <a:t>1/28/2019</a:t>
             </a:fld>
             <a:endParaRPr lang="en-US" dirty="0"/>
           </a:p>
@@ -6105,7 +6105,7 @@
               <a:pPr>
                 <a:defRPr/>
               </a:pPr>
-              <a:t>9/10/2018</a:t>
+              <a:t>1/28/2019</a:t>
             </a:fld>
             <a:endParaRPr lang="en-US" dirty="0"/>
           </a:p>
@@ -6402,7 +6402,7 @@
               <a:pPr>
                 <a:defRPr/>
               </a:pPr>
-              <a:t>9/10/2018</a:t>
+              <a:t>1/28/2019</a:t>
             </a:fld>
             <a:endParaRPr lang="en-US" dirty="0"/>
           </a:p>
@@ -6679,7 +6679,7 @@
               <a:pPr>
                 <a:defRPr/>
               </a:pPr>
-              <a:t>9/10/2018</a:t>
+              <a:t>1/28/2019</a:t>
             </a:fld>
             <a:endParaRPr lang="en-US" dirty="0"/>
           </a:p>
@@ -6936,7 +6936,7 @@
               <a:pPr>
                 <a:defRPr/>
               </a:pPr>
-              <a:t>9/10/2018</a:t>
+              <a:t>1/28/2019</a:t>
             </a:fld>
             <a:endParaRPr lang="en-US" dirty="0"/>
           </a:p>
@@ -7646,7 +7646,7 @@
               <a:pPr>
                 <a:defRPr/>
               </a:pPr>
-              <a:t>9/10/2018</a:t>
+              <a:t>1/28/2019</a:t>
             </a:fld>
             <a:endParaRPr lang="en-US" dirty="0">
               <a:solidFill>
